--- a/jqurey resubmit.pptx
+++ b/jqurey resubmit.pptx
@@ -10,10 +10,11 @@
     <p:sldId id="259" r:id="rId4"/>
     <p:sldId id="260" r:id="rId5"/>
     <p:sldId id="261" r:id="rId6"/>
-    <p:sldId id="262" r:id="rId7"/>
-    <p:sldId id="263" r:id="rId8"/>
-    <p:sldId id="264" r:id="rId9"/>
-    <p:sldId id="265" r:id="rId10"/>
+    <p:sldId id="266" r:id="rId7"/>
+    <p:sldId id="262" r:id="rId8"/>
+    <p:sldId id="263" r:id="rId9"/>
+    <p:sldId id="264" r:id="rId10"/>
+    <p:sldId id="265" r:id="rId11"/>
   </p:sldIdLst>
   <p:sldSz cx="12192000" cy="6858000"/>
   <p:notesSz cx="6858000" cy="9144000"/>
@@ -280,7 +281,7 @@
           <a:p>
             <a:fld id="{918495C1-B184-4EB3-AA17-435B5C84EA73}" type="datetimeFigureOut">
               <a:rPr lang="en-IN" smtClean="0"/>
-              <a:t>05-12-2023</a:t>
+              <a:t>27-12-2023</a:t>
             </a:fld>
             <a:endParaRPr lang="en-IN"/>
           </a:p>
@@ -480,7 +481,7 @@
           <a:p>
             <a:fld id="{918495C1-B184-4EB3-AA17-435B5C84EA73}" type="datetimeFigureOut">
               <a:rPr lang="en-IN" smtClean="0"/>
-              <a:t>05-12-2023</a:t>
+              <a:t>27-12-2023</a:t>
             </a:fld>
             <a:endParaRPr lang="en-IN"/>
           </a:p>
@@ -690,7 +691,7 @@
           <a:p>
             <a:fld id="{918495C1-B184-4EB3-AA17-435B5C84EA73}" type="datetimeFigureOut">
               <a:rPr lang="en-IN" smtClean="0"/>
-              <a:t>05-12-2023</a:t>
+              <a:t>27-12-2023</a:t>
             </a:fld>
             <a:endParaRPr lang="en-IN"/>
           </a:p>
@@ -890,7 +891,7 @@
           <a:p>
             <a:fld id="{918495C1-B184-4EB3-AA17-435B5C84EA73}" type="datetimeFigureOut">
               <a:rPr lang="en-IN" smtClean="0"/>
-              <a:t>05-12-2023</a:t>
+              <a:t>27-12-2023</a:t>
             </a:fld>
             <a:endParaRPr lang="en-IN"/>
           </a:p>
@@ -1166,7 +1167,7 @@
           <a:p>
             <a:fld id="{918495C1-B184-4EB3-AA17-435B5C84EA73}" type="datetimeFigureOut">
               <a:rPr lang="en-IN" smtClean="0"/>
-              <a:t>05-12-2023</a:t>
+              <a:t>27-12-2023</a:t>
             </a:fld>
             <a:endParaRPr lang="en-IN"/>
           </a:p>
@@ -1434,7 +1435,7 @@
           <a:p>
             <a:fld id="{918495C1-B184-4EB3-AA17-435B5C84EA73}" type="datetimeFigureOut">
               <a:rPr lang="en-IN" smtClean="0"/>
-              <a:t>05-12-2023</a:t>
+              <a:t>27-12-2023</a:t>
             </a:fld>
             <a:endParaRPr lang="en-IN"/>
           </a:p>
@@ -1849,7 +1850,7 @@
           <a:p>
             <a:fld id="{918495C1-B184-4EB3-AA17-435B5C84EA73}" type="datetimeFigureOut">
               <a:rPr lang="en-IN" smtClean="0"/>
-              <a:t>05-12-2023</a:t>
+              <a:t>27-12-2023</a:t>
             </a:fld>
             <a:endParaRPr lang="en-IN"/>
           </a:p>
@@ -1991,7 +1992,7 @@
           <a:p>
             <a:fld id="{918495C1-B184-4EB3-AA17-435B5C84EA73}" type="datetimeFigureOut">
               <a:rPr lang="en-IN" smtClean="0"/>
-              <a:t>05-12-2023</a:t>
+              <a:t>27-12-2023</a:t>
             </a:fld>
             <a:endParaRPr lang="en-IN"/>
           </a:p>
@@ -2104,7 +2105,7 @@
           <a:p>
             <a:fld id="{918495C1-B184-4EB3-AA17-435B5C84EA73}" type="datetimeFigureOut">
               <a:rPr lang="en-IN" smtClean="0"/>
-              <a:t>05-12-2023</a:t>
+              <a:t>27-12-2023</a:t>
             </a:fld>
             <a:endParaRPr lang="en-IN"/>
           </a:p>
@@ -2417,7 +2418,7 @@
           <a:p>
             <a:fld id="{918495C1-B184-4EB3-AA17-435B5C84EA73}" type="datetimeFigureOut">
               <a:rPr lang="en-IN" smtClean="0"/>
-              <a:t>05-12-2023</a:t>
+              <a:t>27-12-2023</a:t>
             </a:fld>
             <a:endParaRPr lang="en-IN"/>
           </a:p>
@@ -2706,7 +2707,7 @@
           <a:p>
             <a:fld id="{918495C1-B184-4EB3-AA17-435B5C84EA73}" type="datetimeFigureOut">
               <a:rPr lang="en-IN" smtClean="0"/>
-              <a:t>05-12-2023</a:t>
+              <a:t>27-12-2023</a:t>
             </a:fld>
             <a:endParaRPr lang="en-IN"/>
           </a:p>
@@ -2949,7 +2950,7 @@
           <a:p>
             <a:fld id="{918495C1-B184-4EB3-AA17-435B5C84EA73}" type="datetimeFigureOut">
               <a:rPr lang="en-IN" smtClean="0"/>
-              <a:t>05-12-2023</a:t>
+              <a:t>27-12-2023</a:t>
             </a:fld>
             <a:endParaRPr lang="en-IN"/>
           </a:p>
@@ -3381,7 +3382,7 @@
         <p:spPr>
           <a:xfrm>
             <a:off x="107576" y="161365"/>
-            <a:ext cx="11976848" cy="5632311"/>
+            <a:ext cx="11976848" cy="6555641"/>
           </a:xfrm>
           <a:prstGeom prst="rect">
             <a:avLst/>
@@ -3394,33 +3395,40 @@
           </a:bodyPr>
           <a:lstStyle/>
           <a:p>
-            <a:pPr marL="342900" indent="-342900">
+            <a:pPr marL="1714500" lvl="3" indent="-342900">
               <a:buAutoNum type="arabicPeriod"/>
             </a:pPr>
             <a:r>
-              <a:rPr lang="en-IN" dirty="0"/>
+              <a:rPr lang="en-IN" sz="2000" dirty="0"/>
               <a:t>What is </a:t>
             </a:r>
             <a:r>
-              <a:rPr lang="en-IN" dirty="0" err="1"/>
+              <a:rPr lang="en-IN" sz="2000" dirty="0" err="1"/>
               <a:t>JQuery</a:t>
             </a:r>
             <a:r>
-              <a:rPr lang="en-IN" dirty="0"/>
+              <a:rPr lang="en-IN" sz="2000" dirty="0"/>
               <a:t>?</a:t>
             </a:r>
           </a:p>
           <a:p>
-            <a:endParaRPr lang="en-IN" dirty="0"/>
+            <a:endParaRPr lang="en-IN" sz="2000" dirty="0"/>
           </a:p>
           <a:p>
             <a:pPr algn="l"/>
             <a:r>
-              <a:rPr lang="en-IN" dirty="0"/>
-              <a:t>Ans: j </a:t>
-            </a:r>
-            <a:r>
-              <a:rPr lang="en-US" b="0" i="0" dirty="0">
+              <a:rPr lang="en-IN" sz="2000" dirty="0"/>
+              <a:t>Ans:</a:t>
+            </a:r>
+          </a:p>
+          <a:p>
+            <a:pPr algn="l"/>
+            <a:r>
+              <a:rPr lang="en-IN" sz="2000" dirty="0"/>
+              <a:t> j </a:t>
+            </a:r>
+            <a:r>
+              <a:rPr lang="en-US" sz="2000" b="0" i="0" dirty="0">
                 <a:solidFill>
                   <a:srgbClr val="374151"/>
                 </a:solidFill>
@@ -3433,7 +3441,7 @@
           <a:p>
             <a:pPr algn="l"/>
             <a:r>
-              <a:rPr lang="en-US" b="0" i="0" dirty="0">
+              <a:rPr lang="en-US" sz="2000" b="0" i="0" dirty="0">
                 <a:solidFill>
                   <a:srgbClr val="374151"/>
                 </a:solidFill>
@@ -3449,24 +3457,14 @@
               <a:buAutoNum type="arabicPeriod"/>
             </a:pPr>
             <a:r>
-              <a:rPr lang="en-US" b="1" i="0" dirty="0">
+              <a:rPr lang="en-US" sz="2000" i="0" dirty="0">
                 <a:solidFill>
                   <a:srgbClr val="374151"/>
                 </a:solidFill>
                 <a:effectLst/>
                 <a:latin typeface="Söhne"/>
               </a:rPr>
-              <a:t>DOM Manipulation</a:t>
-            </a:r>
-            <a:r>
-              <a:rPr lang="en-US" b="0" i="0" dirty="0">
-                <a:solidFill>
-                  <a:srgbClr val="374151"/>
-                </a:solidFill>
-                <a:effectLst/>
-                <a:latin typeface="Söhne"/>
-              </a:rPr>
-              <a:t>: jQuery allows you to easily select and manipulate HTML elements in the Document Object Model (DOM). You can change content, attributes, and styles of elements with concise and readable code.</a:t>
+              <a:t>DOM Manipulation: jQuery allows you to easily select and manipulate HTML elements in the Document Object Model (DOM). You can change content, attributes, and styles of elements with concise and readable code.</a:t>
             </a:r>
           </a:p>
           <a:p>
@@ -3475,24 +3473,14 @@
               <a:buAutoNum type="arabicPeriod"/>
             </a:pPr>
             <a:r>
-              <a:rPr lang="en-US" b="1" i="0" dirty="0">
+              <a:rPr lang="en-US" sz="2000" i="0" dirty="0">
                 <a:solidFill>
                   <a:srgbClr val="374151"/>
                 </a:solidFill>
                 <a:effectLst/>
                 <a:latin typeface="Söhne"/>
               </a:rPr>
-              <a:t>Event Handling</a:t>
-            </a:r>
-            <a:r>
-              <a:rPr lang="en-US" b="0" i="0" dirty="0">
-                <a:solidFill>
-                  <a:srgbClr val="374151"/>
-                </a:solidFill>
-                <a:effectLst/>
-                <a:latin typeface="Söhne"/>
-              </a:rPr>
-              <a:t>: jQuery simplifies event handling. You can attach event handlers to elements, such as click or hover events, with ease.</a:t>
+              <a:t>Event Handling: jQuery simplifies event handling. You can attach event handlers to elements, such as click or hover events, with ease.</a:t>
             </a:r>
           </a:p>
           <a:p>
@@ -3501,24 +3489,14 @@
               <a:buAutoNum type="arabicPeriod"/>
             </a:pPr>
             <a:r>
-              <a:rPr lang="en-US" b="1" i="0" dirty="0">
+              <a:rPr lang="en-US" sz="2000" i="0" dirty="0">
                 <a:solidFill>
                   <a:srgbClr val="374151"/>
                 </a:solidFill>
                 <a:effectLst/>
                 <a:latin typeface="Söhne"/>
               </a:rPr>
-              <a:t>Animations</a:t>
-            </a:r>
-            <a:r>
-              <a:rPr lang="en-US" b="0" i="0" dirty="0">
-                <a:solidFill>
-                  <a:srgbClr val="374151"/>
-                </a:solidFill>
-                <a:effectLst/>
-                <a:latin typeface="Söhne"/>
-              </a:rPr>
-              <a:t>: You can create animations and transitions in your web pages using jQuery. This includes effects like fading in/out, sliding, and more.</a:t>
+              <a:t>Animations: You can create animations and transitions in your web pages using jQuery. This includes effects like fading in/out, sliding, and more.</a:t>
             </a:r>
           </a:p>
           <a:p>
@@ -3527,24 +3505,14 @@
               <a:buAutoNum type="arabicPeriod"/>
             </a:pPr>
             <a:r>
-              <a:rPr lang="en-US" b="1" i="0" dirty="0">
+              <a:rPr lang="en-US" sz="2000" i="0" dirty="0">
                 <a:solidFill>
                   <a:srgbClr val="374151"/>
                 </a:solidFill>
                 <a:effectLst/>
                 <a:latin typeface="Söhne"/>
               </a:rPr>
-              <a:t>Cross-Browser Compatibility</a:t>
-            </a:r>
-            <a:r>
-              <a:rPr lang="en-US" b="0" i="0" dirty="0">
-                <a:solidFill>
-                  <a:srgbClr val="374151"/>
-                </a:solidFill>
-                <a:effectLst/>
-                <a:latin typeface="Söhne"/>
-              </a:rPr>
-              <a:t>: jQuery handles many cross-browser compatibility issues, ensuring that your code works consistently on various web browsers.</a:t>
+              <a:t>Cross-Browser Compatibility: jQuery handles many cross-browser compatibility issues, ensuring that your code works consistently on various web browsers.</a:t>
             </a:r>
           </a:p>
           <a:p>
@@ -3553,30 +3521,30 @@
               <a:buAutoNum type="arabicPeriod"/>
             </a:pPr>
             <a:r>
-              <a:rPr lang="en-US" b="1" i="0" dirty="0">
+              <a:rPr lang="en-US" sz="2000" i="0" dirty="0">
                 <a:solidFill>
                   <a:srgbClr val="374151"/>
                 </a:solidFill>
                 <a:effectLst/>
                 <a:latin typeface="Söhne"/>
               </a:rPr>
-              <a:t>Simplifies JavaScript</a:t>
-            </a:r>
-            <a:r>
-              <a:rPr lang="en-US" b="0" i="0" dirty="0">
+              <a:t>Simplifies JavaScript: </a:t>
+            </a:r>
+            <a:r>
+              <a:rPr lang="en-US" sz="2000" b="0" i="0" dirty="0">
                 <a:solidFill>
                   <a:srgbClr val="374151"/>
                 </a:solidFill>
                 <a:effectLst/>
                 <a:latin typeface="Söhne"/>
               </a:rPr>
-              <a:t>: jQuery simplifies many common JavaScript tasks, making it easier for developers to work with and understand.</a:t>
+              <a:t>jQuery simplifies many common JavaScript tasks, making it easier for developers to work with and understand.</a:t>
             </a:r>
           </a:p>
           <a:p>
             <a:pPr algn="l"/>
             <a:r>
-              <a:rPr lang="en-US" b="0" i="0" dirty="0">
+              <a:rPr lang="en-US" sz="2000" b="0" i="0" dirty="0">
                 <a:solidFill>
                   <a:srgbClr val="374151"/>
                 </a:solidFill>
@@ -3586,7 +3554,7 @@
               <a:t>Here's an example of how you might use jQuery to add a click event handler to a button element with the ID "</a:t>
             </a:r>
             <a:r>
-              <a:rPr lang="en-US" b="0" i="0" dirty="0" err="1">
+              <a:rPr lang="en-US" sz="2000" b="0" i="0" dirty="0" err="1">
                 <a:solidFill>
                   <a:srgbClr val="374151"/>
                 </a:solidFill>
@@ -3596,7 +3564,7 @@
               <a:t>myButton</a:t>
             </a:r>
             <a:r>
-              <a:rPr lang="en-US" b="0" i="0" dirty="0">
+              <a:rPr lang="en-US" sz="2000" b="0" i="0" dirty="0">
                 <a:solidFill>
                   <a:srgbClr val="374151"/>
                 </a:solidFill>
@@ -3606,7 +3574,7 @@
               <a:t>" and change the text of a paragraph with the ID "</a:t>
             </a:r>
             <a:r>
-              <a:rPr lang="en-US" b="0" i="0" dirty="0" err="1">
+              <a:rPr lang="en-US" sz="2000" b="0" i="0" dirty="0" err="1">
                 <a:solidFill>
                   <a:srgbClr val="374151"/>
                 </a:solidFill>
@@ -3616,7 +3584,7 @@
               <a:t>myParagraph</a:t>
             </a:r>
             <a:r>
-              <a:rPr lang="en-US" b="0" i="0" dirty="0">
+              <a:rPr lang="en-US" sz="2000" b="0" i="0" dirty="0">
                 <a:solidFill>
                   <a:srgbClr val="374151"/>
                 </a:solidFill>
@@ -3626,7 +3594,7 @@
               <a:t>" when the button is </a:t>
             </a:r>
             <a:r>
-              <a:rPr lang="en-US" b="0" i="0" dirty="0" err="1">
+              <a:rPr lang="en-US" sz="2000" b="0" i="0" dirty="0" err="1">
                 <a:solidFill>
                   <a:srgbClr val="374151"/>
                 </a:solidFill>
@@ -3635,7 +3603,7 @@
               </a:rPr>
               <a:t>clicke</a:t>
             </a:r>
-            <a:endParaRPr lang="en-US" b="0" i="0" dirty="0">
+            <a:endParaRPr lang="en-US" sz="2000" b="0" i="0" dirty="0">
               <a:solidFill>
                 <a:srgbClr val="374151"/>
               </a:solidFill>
@@ -3644,7 +3612,7 @@
             </a:endParaRPr>
           </a:p>
           <a:p>
-            <a:endParaRPr lang="en-IN" dirty="0"/>
+            <a:endParaRPr lang="en-IN" sz="2000" dirty="0"/>
           </a:p>
         </p:txBody>
       </p:sp>
@@ -3652,6 +3620,66 @@
     <p:extLst>
       <p:ext uri="{BB962C8B-B14F-4D97-AF65-F5344CB8AC3E}">
         <p14:creationId xmlns:p14="http://schemas.microsoft.com/office/powerpoint/2010/main" val="3598393199"/>
+      </p:ext>
+    </p:extLst>
+  </p:cSld>
+  <p:clrMapOvr>
+    <a:masterClrMapping/>
+  </p:clrMapOvr>
+</p:sld>
+</file>
+
+<file path=ppt/slides/slide10.xml><?xml version="1.0" encoding="utf-8"?>
+<p:sld xmlns:a="http://schemas.openxmlformats.org/drawingml/2006/main" xmlns:r="http://schemas.openxmlformats.org/officeDocument/2006/relationships" xmlns:p="http://schemas.openxmlformats.org/presentationml/2006/main">
+  <p:cSld>
+    <p:spTree>
+      <p:nvGrpSpPr>
+        <p:cNvPr id="1" name=""/>
+        <p:cNvGrpSpPr/>
+        <p:nvPr/>
+      </p:nvGrpSpPr>
+      <p:grpSpPr>
+        <a:xfrm>
+          <a:off x="0" y="0"/>
+          <a:ext cx="0" cy="0"/>
+          <a:chOff x="0" y="0"/>
+          <a:chExt cx="0" cy="0"/>
+        </a:xfrm>
+      </p:grpSpPr>
+      <p:pic>
+        <p:nvPicPr>
+          <p:cNvPr id="3" name="Picture 2">
+            <a:extLst>
+              <a:ext uri="{FF2B5EF4-FFF2-40B4-BE49-F238E27FC236}">
+                <a16:creationId xmlns:a16="http://schemas.microsoft.com/office/drawing/2014/main" id="{D0253261-B3F2-2EC0-32E5-24655FC67D27}"/>
+              </a:ext>
+            </a:extLst>
+          </p:cNvPr>
+          <p:cNvPicPr>
+            <a:picLocks noChangeAspect="1"/>
+          </p:cNvPicPr>
+          <p:nvPr/>
+        </p:nvPicPr>
+        <p:blipFill>
+          <a:blip r:embed="rId2"/>
+          <a:stretch>
+            <a:fillRect/>
+          </a:stretch>
+        </p:blipFill>
+        <p:spPr>
+          <a:xfrm>
+            <a:off x="0" y="0"/>
+            <a:ext cx="12192000" cy="6857999"/>
+          </a:xfrm>
+          <a:prstGeom prst="rect">
+            <a:avLst/>
+          </a:prstGeom>
+        </p:spPr>
+      </p:pic>
+    </p:spTree>
+    <p:extLst>
+      <p:ext uri="{BB962C8B-B14F-4D97-AF65-F5344CB8AC3E}">
+        <p14:creationId xmlns:p14="http://schemas.microsoft.com/office/powerpoint/2010/main" val="3763546253"/>
       </p:ext>
     </p:extLst>
   </p:cSld>
@@ -3693,7 +3721,7 @@
         <p:spPr>
           <a:xfrm>
             <a:off x="259976" y="233082"/>
-            <a:ext cx="11707906" cy="5909310"/>
+            <a:ext cx="11707906" cy="6863417"/>
           </a:xfrm>
           <a:prstGeom prst="rect">
             <a:avLst/>
@@ -3707,41 +3735,41 @@
           <a:lstStyle/>
           <a:p>
             <a:r>
-              <a:rPr lang="en-US" dirty="0"/>
+              <a:rPr lang="en-US" sz="2000" dirty="0"/>
               <a:t>2.How to Apply CSS Using </a:t>
             </a:r>
             <a:r>
-              <a:rPr lang="en-US" dirty="0" err="1"/>
+              <a:rPr lang="en-US" sz="2000" dirty="0" err="1"/>
               <a:t>JQuery</a:t>
             </a:r>
             <a:r>
-              <a:rPr lang="en-US" dirty="0"/>
+              <a:rPr lang="en-US" sz="2000" dirty="0"/>
               <a:t>, How to Add Class and Remove Class in </a:t>
             </a:r>
             <a:r>
-              <a:rPr lang="en-US" dirty="0" err="1"/>
+              <a:rPr lang="en-US" sz="2000" dirty="0" err="1"/>
               <a:t>JQuery</a:t>
             </a:r>
             <a:r>
-              <a:rPr lang="en-US" dirty="0"/>
+              <a:rPr lang="en-US" sz="2000" dirty="0"/>
               <a:t>, </a:t>
             </a:r>
             <a:r>
-              <a:rPr lang="en-US" dirty="0" err="1"/>
+              <a:rPr lang="en-US" sz="2000" dirty="0" err="1"/>
               <a:t>JQuery</a:t>
             </a:r>
             <a:r>
-              <a:rPr lang="en-US" dirty="0"/>
+              <a:rPr lang="en-US" sz="2000" dirty="0"/>
               <a:t> Animation?</a:t>
             </a:r>
           </a:p>
           <a:p>
             <a:r>
-              <a:rPr lang="en-US" dirty="0"/>
+              <a:rPr lang="en-US" sz="2000" dirty="0"/>
               <a:t>Ans:  </a:t>
             </a:r>
             <a:r>
-              <a:rPr lang="en-US" b="0" i="0" dirty="0">
+              <a:rPr lang="en-US" sz="2000" b="0" i="0" dirty="0">
                 <a:solidFill>
                   <a:srgbClr val="374151"/>
                 </a:solidFill>
@@ -3756,14 +3784,28 @@
               <a:buAutoNum type="arabicPeriod"/>
             </a:pPr>
             <a:r>
-              <a:rPr lang="en-US" b="1" i="0" dirty="0">
+              <a:rPr lang="en-US" sz="2000" i="0" dirty="0">
                 <a:effectLst/>
                 <a:latin typeface="Söhne"/>
               </a:rPr>
-              <a:t>Applying CSS using jQuery:</a:t>
-            </a:r>
-            <a:r>
-              <a:rPr lang="en-US" b="0" i="0" dirty="0">
+              <a:t>Applying </a:t>
+            </a:r>
+            <a:r>
+              <a:rPr lang="en-US" sz="2000" i="0" dirty="0" err="1">
+                <a:effectLst/>
+                <a:latin typeface="Söhne"/>
+              </a:rPr>
+              <a:t>CSSa</a:t>
+            </a:r>
+            <a:r>
+              <a:rPr lang="en-US" sz="2000" i="0" dirty="0">
+                <a:effectLst/>
+                <a:latin typeface="Söhne"/>
+              </a:rPr>
+              <a:t> using jQuery:</a:t>
+            </a:r>
+            <a:r>
+              <a:rPr lang="en-US" sz="2000" i="0" dirty="0">
                 <a:solidFill>
                   <a:srgbClr val="374151"/>
                 </a:solidFill>
@@ -3773,7 +3815,7 @@
               <a:t> To apply CSS styles to HTML elements using jQuery, you can use the</a:t>
             </a:r>
             <a:r>
-              <a:rPr lang="en-US" dirty="0">
+              <a:rPr lang="en-US" sz="2000" dirty="0">
                 <a:solidFill>
                   <a:srgbClr val="374151"/>
                 </a:solidFill>
@@ -3782,7 +3824,7 @@
               <a:t> </a:t>
             </a:r>
             <a:r>
-              <a:rPr lang="en-US" dirty="0" err="1">
+              <a:rPr lang="en-US" sz="2000" dirty="0" err="1">
                 <a:solidFill>
                   <a:srgbClr val="374151"/>
                 </a:solidFill>
@@ -3791,7 +3833,7 @@
               <a:t>css</a:t>
             </a:r>
             <a:r>
-              <a:rPr lang="en-US" dirty="0">
+              <a:rPr lang="en-US" sz="2000" dirty="0">
                 <a:solidFill>
                   <a:srgbClr val="374151"/>
                 </a:solidFill>
@@ -3800,7 +3842,7 @@
               <a:t> </a:t>
             </a:r>
             <a:r>
-              <a:rPr lang="en-US" b="0" i="0" dirty="0">
+              <a:rPr lang="en-US" sz="2000" i="0" dirty="0">
                 <a:solidFill>
                   <a:srgbClr val="374151"/>
                 </a:solidFill>
@@ -3814,7 +3856,7 @@
             <a:pPr marL="342900" indent="-342900">
               <a:buAutoNum type="arabicPeriod"/>
             </a:pPr>
-            <a:endParaRPr lang="en-US" dirty="0">
+            <a:endParaRPr lang="en-US" sz="2000" dirty="0">
               <a:solidFill>
                 <a:srgbClr val="374151"/>
               </a:solidFill>
@@ -3825,7 +3867,7 @@
             <a:pPr marL="342900" indent="-342900">
               <a:buAutoNum type="arabicPeriod"/>
             </a:pPr>
-            <a:endParaRPr lang="en-US" dirty="0">
+            <a:endParaRPr lang="en-US" sz="2000" dirty="0">
               <a:solidFill>
                 <a:srgbClr val="374151"/>
               </a:solidFill>
@@ -3836,7 +3878,7 @@
             <a:pPr marL="342900" indent="-342900">
               <a:buAutoNum type="arabicPeriod"/>
             </a:pPr>
-            <a:endParaRPr lang="en-US" dirty="0">
+            <a:endParaRPr lang="en-US" sz="2000" dirty="0">
               <a:solidFill>
                 <a:srgbClr val="374151"/>
               </a:solidFill>
@@ -3847,7 +3889,7 @@
             <a:pPr marL="342900" indent="-342900">
               <a:buAutoNum type="arabicPeriod"/>
             </a:pPr>
-            <a:endParaRPr lang="en-US" dirty="0">
+            <a:endParaRPr lang="en-US" sz="2000" dirty="0">
               <a:solidFill>
                 <a:srgbClr val="374151"/>
               </a:solidFill>
@@ -3858,7 +3900,7 @@
             <a:pPr marL="342900" indent="-342900">
               <a:buAutoNum type="arabicPeriod"/>
             </a:pPr>
-            <a:endParaRPr lang="en-US" dirty="0">
+            <a:endParaRPr lang="en-US" sz="2000" dirty="0">
               <a:solidFill>
                 <a:srgbClr val="374151"/>
               </a:solidFill>
@@ -3869,7 +3911,7 @@
             <a:pPr marL="342900" indent="-342900">
               <a:buAutoNum type="arabicPeriod"/>
             </a:pPr>
-            <a:endParaRPr lang="en-US" dirty="0">
+            <a:endParaRPr lang="en-US" sz="2000" dirty="0">
               <a:solidFill>
                 <a:srgbClr val="374151"/>
               </a:solidFill>
@@ -3880,7 +3922,7 @@
             <a:pPr marL="342900" indent="-342900">
               <a:buAutoNum type="arabicPeriod"/>
             </a:pPr>
-            <a:endParaRPr lang="en-US" dirty="0">
+            <a:endParaRPr lang="en-US" sz="2000" dirty="0">
               <a:solidFill>
                 <a:srgbClr val="374151"/>
               </a:solidFill>
@@ -3891,7 +3933,7 @@
             <a:pPr marL="342900" indent="-342900">
               <a:buAutoNum type="arabicPeriod"/>
             </a:pPr>
-            <a:endParaRPr lang="en-US" dirty="0">
+            <a:endParaRPr lang="en-US" sz="2000" dirty="0">
               <a:solidFill>
                 <a:srgbClr val="374151"/>
               </a:solidFill>
@@ -3902,7 +3944,7 @@
             <a:pPr marL="342900" indent="-342900">
               <a:buAutoNum type="arabicPeriod"/>
             </a:pPr>
-            <a:endParaRPr lang="en-US" dirty="0">
+            <a:endParaRPr lang="en-US" sz="2000" dirty="0">
               <a:solidFill>
                 <a:srgbClr val="374151"/>
               </a:solidFill>
@@ -3913,7 +3955,7 @@
             <a:pPr marL="342900" indent="-342900">
               <a:buAutoNum type="arabicPeriod"/>
             </a:pPr>
-            <a:endParaRPr lang="en-US" dirty="0">
+            <a:endParaRPr lang="en-US" sz="2000" dirty="0">
               <a:solidFill>
                 <a:srgbClr val="374151"/>
               </a:solidFill>
@@ -3924,7 +3966,7 @@
             <a:pPr marL="342900" indent="-342900">
               <a:buAutoNum type="arabicPeriod"/>
             </a:pPr>
-            <a:endParaRPr lang="en-US" dirty="0">
+            <a:endParaRPr lang="en-US" sz="2000" dirty="0">
               <a:solidFill>
                 <a:srgbClr val="374151"/>
               </a:solidFill>
@@ -3935,7 +3977,7 @@
             <a:pPr marL="342900" indent="-342900">
               <a:buAutoNum type="arabicPeriod"/>
             </a:pPr>
-            <a:endParaRPr lang="en-US" dirty="0">
+            <a:endParaRPr lang="en-US" sz="2000" dirty="0">
               <a:solidFill>
                 <a:srgbClr val="374151"/>
               </a:solidFill>
@@ -3946,7 +3988,7 @@
             <a:pPr marL="342900" indent="-342900">
               <a:buAutoNum type="arabicPeriod"/>
             </a:pPr>
-            <a:endParaRPr lang="en-US" dirty="0">
+            <a:endParaRPr lang="en-US" sz="2000" dirty="0">
               <a:solidFill>
                 <a:srgbClr val="374151"/>
               </a:solidFill>
@@ -3957,7 +3999,7 @@
             <a:pPr marL="342900" indent="-342900">
               <a:buAutoNum type="arabicPeriod"/>
             </a:pPr>
-            <a:endParaRPr lang="en-US" dirty="0">
+            <a:endParaRPr lang="en-US" sz="2000" dirty="0">
               <a:solidFill>
                 <a:srgbClr val="374151"/>
               </a:solidFill>
@@ -3968,13 +4010,13 @@
             <a:pPr marL="342900" indent="-342900">
               <a:buAutoNum type="arabicPeriod"/>
             </a:pPr>
-            <a:endParaRPr lang="en-US" dirty="0"/>
+            <a:endParaRPr lang="en-US" sz="2000" dirty="0"/>
           </a:p>
           <a:p>
             <a:pPr marL="342900" indent="-342900">
               <a:buAutoNum type="arabicPeriod"/>
             </a:pPr>
-            <a:endParaRPr lang="en-IN" dirty="0"/>
+            <a:endParaRPr lang="en-IN" sz="2000" dirty="0"/>
           </a:p>
         </p:txBody>
       </p:sp>
@@ -4000,7 +4042,7 @@
         </p:blipFill>
         <p:spPr>
           <a:xfrm>
-            <a:off x="2761961" y="1847713"/>
+            <a:off x="2618525" y="2331807"/>
             <a:ext cx="6668078" cy="3162574"/>
           </a:xfrm>
           <a:prstGeom prst="rect">
@@ -4060,8 +4102,8 @@
         </p:blipFill>
         <p:spPr>
           <a:xfrm>
-            <a:off x="2601927" y="1668627"/>
-            <a:ext cx="6988146" cy="3520745"/>
+            <a:off x="217594" y="375920"/>
+            <a:ext cx="11756812" cy="5923279"/>
           </a:xfrm>
           <a:prstGeom prst="rect">
             <a:avLst/>
@@ -4112,8 +4154,8 @@
         </p:nvSpPr>
         <p:spPr>
           <a:xfrm>
-            <a:off x="349624" y="233082"/>
-            <a:ext cx="11510682" cy="6740307"/>
+            <a:off x="340659" y="141642"/>
+            <a:ext cx="11510682" cy="7017306"/>
           </a:xfrm>
           <a:prstGeom prst="rect">
             <a:avLst/>
@@ -4127,14 +4169,14 @@
           <a:lstStyle/>
           <a:p>
             <a:r>
-              <a:rPr lang="en-US" b="1" i="0" dirty="0">
+              <a:rPr lang="en-US" sz="2000" i="0" dirty="0">
                 <a:effectLst/>
                 <a:latin typeface="Söhne"/>
               </a:rPr>
               <a:t>3. jQuery Animation:</a:t>
             </a:r>
             <a:r>
-              <a:rPr lang="en-US" b="0" i="0" dirty="0">
+              <a:rPr lang="en-US" sz="2000" i="0" dirty="0">
                 <a:solidFill>
                   <a:srgbClr val="374151"/>
                 </a:solidFill>
@@ -4146,7 +4188,7 @@
           </a:p>
           <a:p>
             <a:r>
-              <a:rPr lang="en-US" dirty="0">
+              <a:rPr lang="en-US" sz="2000" dirty="0">
                 <a:solidFill>
                   <a:srgbClr val="374151"/>
                 </a:solidFill>
@@ -4155,7 +4197,7 @@
               <a:t>Animate(),</a:t>
             </a:r>
             <a:r>
-              <a:rPr lang="en-US" dirty="0" err="1">
+              <a:rPr lang="en-US" sz="2000" dirty="0" err="1">
                 <a:solidFill>
                   <a:srgbClr val="374151"/>
                 </a:solidFill>
@@ -4164,7 +4206,7 @@
               <a:t>fadein</a:t>
             </a:r>
             <a:r>
-              <a:rPr lang="en-US" dirty="0">
+              <a:rPr lang="en-US" sz="2000" dirty="0">
                 <a:solidFill>
                   <a:srgbClr val="374151"/>
                 </a:solidFill>
@@ -4262,7 +4304,7 @@
             </a:endParaRPr>
           </a:p>
           <a:p>
-            <a:endParaRPr lang="en-US" dirty="0">
+            <a:endParaRPr lang="en-US" sz="2000" dirty="0">
               <a:solidFill>
                 <a:srgbClr val="374151"/>
               </a:solidFill>
@@ -4271,7 +4313,7 @@
           </a:p>
           <a:p>
             <a:r>
-              <a:rPr lang="en-US" dirty="0">
+              <a:rPr lang="en-US" sz="2000" dirty="0">
                 <a:solidFill>
                   <a:srgbClr val="374151"/>
                 </a:solidFill>
@@ -4280,10 +4322,10 @@
               <a:t>4.</a:t>
             </a:r>
             <a:r>
-              <a:rPr lang="en-US" dirty="0"/>
+              <a:rPr lang="en-US" sz="2000" dirty="0"/>
               <a:t> How to create slider with animation? </a:t>
             </a:r>
-            <a:endParaRPr lang="en-US" dirty="0">
+            <a:endParaRPr lang="en-US" sz="2000" dirty="0">
               <a:solidFill>
                 <a:srgbClr val="374151"/>
               </a:solidFill>
@@ -4293,7 +4335,7 @@
           <a:p>
             <a:pPr algn="l"/>
             <a:r>
-              <a:rPr lang="en-US" dirty="0" err="1">
+              <a:rPr lang="en-US" sz="2000" dirty="0" err="1">
                 <a:solidFill>
                   <a:srgbClr val="374151"/>
                 </a:solidFill>
@@ -4302,7 +4344,7 @@
               <a:t>Ans:</a:t>
             </a:r>
             <a:r>
-              <a:rPr lang="en-US" b="0" i="0" dirty="0" err="1">
+              <a:rPr lang="en-US" sz="2000" b="0" i="0" dirty="0" err="1">
                 <a:solidFill>
                   <a:srgbClr val="374151"/>
                 </a:solidFill>
@@ -4312,7 +4354,7 @@
               <a:t>Creating</a:t>
             </a:r>
             <a:r>
-              <a:rPr lang="en-US" b="0" i="0" dirty="0">
+              <a:rPr lang="en-US" sz="2000" b="0" i="0" dirty="0">
                 <a:solidFill>
                   <a:srgbClr val="374151"/>
                 </a:solidFill>
@@ -4325,7 +4367,7 @@
           <a:p>
             <a:pPr algn="l"/>
             <a:br>
-              <a:rPr lang="en-US" b="0" i="0" dirty="0">
+              <a:rPr lang="en-US" sz="2000" b="1" i="0" dirty="0">
                 <a:solidFill>
                   <a:srgbClr val="374151"/>
                 </a:solidFill>
@@ -4334,30 +4376,20 @@
               </a:rPr>
             </a:br>
             <a:r>
-              <a:rPr lang="en-US" b="1" i="0" dirty="0">
+              <a:rPr lang="en-US" sz="2000" i="0" dirty="0">
                 <a:solidFill>
                   <a:srgbClr val="374151"/>
                 </a:solidFill>
                 <a:effectLst/>
                 <a:latin typeface="Söhne"/>
               </a:rPr>
-              <a:t>HTML Structure</a:t>
-            </a:r>
-            <a:r>
-              <a:rPr lang="en-US" b="0" i="0" dirty="0">
-                <a:solidFill>
-                  <a:srgbClr val="374151"/>
-                </a:solidFill>
-                <a:effectLst/>
-                <a:latin typeface="Söhne"/>
-              </a:rPr>
-              <a:t>:</a:t>
+              <a:t>HTML Structure:</a:t>
             </a:r>
           </a:p>
           <a:p>
             <a:pPr algn="l"/>
             <a:r>
-              <a:rPr lang="en-US" b="0" i="0" dirty="0">
+              <a:rPr lang="en-US" sz="2000" b="0" i="0" dirty="0">
                 <a:solidFill>
                   <a:srgbClr val="374151"/>
                 </a:solidFill>
@@ -4367,7 +4399,7 @@
               <a:t>Start by creating the HTML structure for your slider. You can use an unordered list &lt;</a:t>
             </a:r>
             <a:r>
-              <a:rPr lang="en-US" b="0" i="0" dirty="0" err="1">
+              <a:rPr lang="en-US" sz="2000" b="0" i="0" dirty="0" err="1">
                 <a:solidFill>
                   <a:srgbClr val="374151"/>
                 </a:solidFill>
@@ -4377,7 +4409,7 @@
               <a:t>ul</a:t>
             </a:r>
             <a:r>
-              <a:rPr lang="en-US" b="0" i="0" dirty="0">
+              <a:rPr lang="en-US" sz="2000" b="0" i="0" dirty="0">
                 <a:solidFill>
                   <a:srgbClr val="374151"/>
                 </a:solidFill>
@@ -4432,8 +4464,8 @@
         </p:blipFill>
         <p:spPr>
           <a:xfrm>
-            <a:off x="2731935" y="1776048"/>
-            <a:ext cx="6530906" cy="1943268"/>
+            <a:off x="2133843" y="1178560"/>
+            <a:ext cx="7924314" cy="2357876"/>
           </a:xfrm>
           <a:prstGeom prst="rect">
             <a:avLst/>
@@ -4485,7 +4517,7 @@
         <p:spPr>
           <a:xfrm>
             <a:off x="259976" y="286871"/>
-            <a:ext cx="11555506" cy="2585323"/>
+            <a:ext cx="11555506" cy="5909310"/>
           </a:xfrm>
           <a:prstGeom prst="rect">
             <a:avLst/>
@@ -4500,30 +4532,20 @@
           <a:p>
             <a:pPr algn="l"/>
             <a:r>
-              <a:rPr lang="en-US" b="1" i="0" dirty="0">
+              <a:rPr lang="en-US" sz="2400" i="0" dirty="0">
                 <a:solidFill>
                   <a:srgbClr val="374151"/>
                 </a:solidFill>
                 <a:effectLst/>
                 <a:latin typeface="Söhne"/>
               </a:rPr>
-              <a:t>CSS Styling</a:t>
-            </a:r>
-            <a:r>
-              <a:rPr lang="en-US" b="0" i="0" dirty="0">
-                <a:solidFill>
-                  <a:srgbClr val="374151"/>
-                </a:solidFill>
-                <a:effectLst/>
-                <a:latin typeface="Söhne"/>
-              </a:rPr>
-              <a:t>:</a:t>
+              <a:t>CSS Styling:</a:t>
             </a:r>
           </a:p>
           <a:p>
             <a:pPr algn="l"/>
             <a:r>
-              <a:rPr lang="en-US" b="0" i="0" dirty="0">
+              <a:rPr lang="en-US" sz="2400" i="0" dirty="0">
                 <a:solidFill>
                   <a:srgbClr val="374151"/>
                 </a:solidFill>
@@ -4535,7 +4557,7 @@
           </a:p>
           <a:p>
             <a:pPr algn="l"/>
-            <a:endParaRPr lang="en-US" dirty="0">
+            <a:endParaRPr lang="en-US" sz="2400" dirty="0">
               <a:solidFill>
                 <a:srgbClr val="374151"/>
               </a:solidFill>
@@ -4545,7 +4567,7 @@
           <a:p>
             <a:pPr algn="l"/>
             <a:r>
-              <a:rPr lang="en-US" b="1" i="0" dirty="0" err="1">
+              <a:rPr lang="en-US" sz="2400" i="0" dirty="0" err="1">
                 <a:solidFill>
                   <a:srgbClr val="374151"/>
                 </a:solidFill>
@@ -4555,30 +4577,20 @@
               <a:t>javaScript</a:t>
             </a:r>
             <a:r>
-              <a:rPr lang="en-US" b="1" i="0" dirty="0">
+              <a:rPr lang="en-US" sz="2400" i="0" dirty="0">
                 <a:solidFill>
                   <a:srgbClr val="374151"/>
                 </a:solidFill>
                 <a:effectLst/>
                 <a:latin typeface="Söhne"/>
               </a:rPr>
-              <a:t> for Animation</a:t>
-            </a:r>
-            <a:r>
-              <a:rPr lang="en-US" b="0" i="0" dirty="0">
-                <a:solidFill>
-                  <a:srgbClr val="374151"/>
-                </a:solidFill>
-                <a:effectLst/>
-                <a:latin typeface="Söhne"/>
-              </a:rPr>
-              <a:t>:</a:t>
+              <a:t> for Animation:</a:t>
             </a:r>
           </a:p>
           <a:p>
             <a:pPr algn="l"/>
             <a:r>
-              <a:rPr lang="en-US" b="0" i="0" dirty="0">
+              <a:rPr lang="en-US" sz="2400" b="0" i="0" dirty="0">
                 <a:solidFill>
                   <a:srgbClr val="374151"/>
                 </a:solidFill>
@@ -4588,7 +4600,7 @@
               <a:t>To create animation, you'll need JavaScript to handle the transition between slides. You can use JavaScript to change the transfer</a:t>
             </a:r>
             <a:r>
-              <a:rPr lang="en-US" dirty="0">
+              <a:rPr lang="en-US" sz="2400" dirty="0">
                 <a:solidFill>
                   <a:srgbClr val="374151"/>
                 </a:solidFill>
@@ -4597,7 +4609,7 @@
               <a:t> </a:t>
             </a:r>
             <a:r>
-              <a:rPr lang="en-US" b="0" i="0" dirty="0">
+              <a:rPr lang="en-US" sz="2400" b="0" i="0" dirty="0">
                 <a:solidFill>
                   <a:srgbClr val="374151"/>
                 </a:solidFill>
@@ -4608,7 +4620,90 @@
             </a:r>
           </a:p>
           <a:p>
-            <a:endParaRPr lang="en-IN" dirty="0"/>
+            <a:pPr algn="l"/>
+            <a:endParaRPr lang="en-US" sz="2400" dirty="0">
+              <a:solidFill>
+                <a:srgbClr val="374151"/>
+              </a:solidFill>
+              <a:latin typeface="Söhne"/>
+            </a:endParaRPr>
+          </a:p>
+          <a:p>
+            <a:pPr algn="l"/>
+            <a:endParaRPr lang="en-US" sz="2400" b="0" i="0" dirty="0">
+              <a:solidFill>
+                <a:srgbClr val="374151"/>
+              </a:solidFill>
+              <a:effectLst/>
+              <a:latin typeface="Söhne"/>
+            </a:endParaRPr>
+          </a:p>
+          <a:p>
+            <a:pPr algn="l"/>
+            <a:r>
+              <a:rPr lang="en-US" sz="2400" i="0" dirty="0">
+                <a:solidFill>
+                  <a:srgbClr val="374151"/>
+                </a:solidFill>
+                <a:effectLst/>
+                <a:latin typeface="Söhne"/>
+              </a:rPr>
+              <a:t>HTML Structure:</a:t>
+            </a:r>
+          </a:p>
+          <a:p>
+            <a:pPr algn="l"/>
+            <a:r>
+              <a:rPr lang="en-US" sz="2400" b="0" i="0" dirty="0">
+                <a:solidFill>
+                  <a:srgbClr val="374151"/>
+                </a:solidFill>
+                <a:effectLst/>
+                <a:latin typeface="Söhne"/>
+              </a:rPr>
+              <a:t>Start by creating the HTML structure for your slider. You can use an unordered list &lt;</a:t>
+            </a:r>
+            <a:r>
+              <a:rPr lang="en-US" sz="2400" b="0" i="0" dirty="0" err="1">
+                <a:solidFill>
+                  <a:srgbClr val="374151"/>
+                </a:solidFill>
+                <a:effectLst/>
+                <a:latin typeface="Söhne"/>
+              </a:rPr>
+              <a:t>ul</a:t>
+            </a:r>
+            <a:r>
+              <a:rPr lang="en-US" sz="2400" b="0" i="0" dirty="0">
+                <a:solidFill>
+                  <a:srgbClr val="374151"/>
+                </a:solidFill>
+                <a:effectLst/>
+                <a:latin typeface="Söhne"/>
+              </a:rPr>
+              <a:t>&gt;to hold the slide items, and each list item &lt;li&gt; will contain the content or image for each slide.</a:t>
+            </a:r>
+          </a:p>
+          <a:p>
+            <a:endParaRPr lang="en-US" sz="2400" dirty="0">
+              <a:solidFill>
+                <a:srgbClr val="374151"/>
+              </a:solidFill>
+              <a:latin typeface="Söhne"/>
+            </a:endParaRPr>
+          </a:p>
+          <a:p>
+            <a:pPr algn="l"/>
+            <a:endParaRPr lang="en-US" sz="2400" b="0" i="0" dirty="0">
+              <a:solidFill>
+                <a:srgbClr val="374151"/>
+              </a:solidFill>
+              <a:effectLst/>
+              <a:latin typeface="Söhne"/>
+            </a:endParaRPr>
+          </a:p>
+          <a:p>
+            <a:endParaRPr lang="en-IN" sz="2400" dirty="0"/>
           </a:p>
           <a:p>
             <a:endParaRPr lang="en-IN" dirty="0"/>
@@ -4650,7 +4745,7 @@
           <p:cNvPr id="3" name="Picture 2">
             <a:extLst>
               <a:ext uri="{FF2B5EF4-FFF2-40B4-BE49-F238E27FC236}">
-                <a16:creationId xmlns:a16="http://schemas.microsoft.com/office/drawing/2014/main" id="{127071DB-2B4A-729F-91A6-EB6491D10573}"/>
+                <a16:creationId xmlns:a16="http://schemas.microsoft.com/office/drawing/2014/main" id="{728FBBFF-21F8-AF66-636B-57828F70ECA4}"/>
               </a:ext>
             </a:extLst>
           </p:cNvPr>
@@ -4667,18 +4762,61 @@
         </p:blipFill>
         <p:spPr>
           <a:xfrm>
-            <a:off x="731055" y="643648"/>
-            <a:ext cx="10729890" cy="5570703"/>
+            <a:off x="1066800" y="1324610"/>
+            <a:ext cx="9692640" cy="5452110"/>
           </a:xfrm>
           <a:prstGeom prst="rect">
             <a:avLst/>
           </a:prstGeom>
         </p:spPr>
       </p:pic>
+      <p:sp>
+        <p:nvSpPr>
+          <p:cNvPr id="4" name="TextBox 3">
+            <a:extLst>
+              <a:ext uri="{FF2B5EF4-FFF2-40B4-BE49-F238E27FC236}">
+                <a16:creationId xmlns:a16="http://schemas.microsoft.com/office/drawing/2014/main" id="{936724BC-1CAD-B37C-E68C-71A0EE1F8E5A}"/>
+              </a:ext>
+            </a:extLst>
+          </p:cNvPr>
+          <p:cNvSpPr txBox="1"/>
+          <p:nvPr/>
+        </p:nvSpPr>
+        <p:spPr>
+          <a:xfrm>
+            <a:off x="375920" y="304800"/>
+            <a:ext cx="7884160" cy="369332"/>
+          </a:xfrm>
+          <a:prstGeom prst="rect">
+            <a:avLst/>
+          </a:prstGeom>
+          <a:noFill/>
+        </p:spPr>
+        <p:txBody>
+          <a:bodyPr wrap="square" rtlCol="0">
+            <a:spAutoFit/>
+          </a:bodyPr>
+          <a:lstStyle/>
+          <a:p>
+            <a:r>
+              <a:rPr lang="en-IN" dirty="0"/>
+              <a:t>You can see this is </a:t>
+            </a:r>
+            <a:r>
+              <a:rPr lang="en-IN" dirty="0" err="1"/>
+              <a:t>screenshort</a:t>
+            </a:r>
+            <a:r>
+              <a:rPr lang="en-IN" dirty="0"/>
+              <a:t> of animation </a:t>
+            </a:r>
+          </a:p>
+        </p:txBody>
+      </p:sp>
     </p:spTree>
     <p:extLst>
       <p:ext uri="{BB962C8B-B14F-4D97-AF65-F5344CB8AC3E}">
-        <p14:creationId xmlns:p14="http://schemas.microsoft.com/office/powerpoint/2010/main" val="2039443611"/>
+        <p14:creationId xmlns:p14="http://schemas.microsoft.com/office/powerpoint/2010/main" val="1988447647"/>
       </p:ext>
     </p:extLst>
   </p:cSld>
@@ -4710,7 +4848,7 @@
           <p:cNvPr id="3" name="Picture 2">
             <a:extLst>
               <a:ext uri="{FF2B5EF4-FFF2-40B4-BE49-F238E27FC236}">
-                <a16:creationId xmlns:a16="http://schemas.microsoft.com/office/drawing/2014/main" id="{1F65AA26-B61E-B436-C8C7-2A43B4612F9C}"/>
+                <a16:creationId xmlns:a16="http://schemas.microsoft.com/office/drawing/2014/main" id="{127071DB-2B4A-729F-91A6-EB6491D10573}"/>
               </a:ext>
             </a:extLst>
           </p:cNvPr>
@@ -4727,8 +4865,8 @@
         </p:blipFill>
         <p:spPr>
           <a:xfrm>
-            <a:off x="1173053" y="373115"/>
-            <a:ext cx="9845893" cy="6111770"/>
+            <a:off x="0" y="0"/>
+            <a:ext cx="12192000" cy="6858000"/>
           </a:xfrm>
           <a:prstGeom prst="rect">
             <a:avLst/>
@@ -4738,7 +4876,7 @@
     </p:spTree>
     <p:extLst>
       <p:ext uri="{BB962C8B-B14F-4D97-AF65-F5344CB8AC3E}">
-        <p14:creationId xmlns:p14="http://schemas.microsoft.com/office/powerpoint/2010/main" val="4179411721"/>
+        <p14:creationId xmlns:p14="http://schemas.microsoft.com/office/powerpoint/2010/main" val="2039443611"/>
       </p:ext>
     </p:extLst>
   </p:cSld>
@@ -4770,7 +4908,7 @@
           <p:cNvPr id="3" name="Picture 2">
             <a:extLst>
               <a:ext uri="{FF2B5EF4-FFF2-40B4-BE49-F238E27FC236}">
-                <a16:creationId xmlns:a16="http://schemas.microsoft.com/office/drawing/2014/main" id="{07DB4F63-4323-7ABD-94B3-9FDF909633FB}"/>
+                <a16:creationId xmlns:a16="http://schemas.microsoft.com/office/drawing/2014/main" id="{1F65AA26-B61E-B436-C8C7-2A43B4612F9C}"/>
               </a:ext>
             </a:extLst>
           </p:cNvPr>
@@ -4787,8 +4925,8 @@
         </p:blipFill>
         <p:spPr>
           <a:xfrm>
-            <a:off x="645459" y="341883"/>
-            <a:ext cx="10722166" cy="6318894"/>
+            <a:off x="0" y="-111760"/>
+            <a:ext cx="12192000" cy="6969759"/>
           </a:xfrm>
           <a:prstGeom prst="rect">
             <a:avLst/>
@@ -4798,7 +4936,7 @@
     </p:spTree>
     <p:extLst>
       <p:ext uri="{BB962C8B-B14F-4D97-AF65-F5344CB8AC3E}">
-        <p14:creationId xmlns:p14="http://schemas.microsoft.com/office/powerpoint/2010/main" val="986217083"/>
+        <p14:creationId xmlns:p14="http://schemas.microsoft.com/office/powerpoint/2010/main" val="4179411721"/>
       </p:ext>
     </p:extLst>
   </p:cSld>
@@ -4830,7 +4968,7 @@
           <p:cNvPr id="3" name="Picture 2">
             <a:extLst>
               <a:ext uri="{FF2B5EF4-FFF2-40B4-BE49-F238E27FC236}">
-                <a16:creationId xmlns:a16="http://schemas.microsoft.com/office/drawing/2014/main" id="{D0253261-B3F2-2EC0-32E5-24655FC67D27}"/>
+                <a16:creationId xmlns:a16="http://schemas.microsoft.com/office/drawing/2014/main" id="{07DB4F63-4323-7ABD-94B3-9FDF909633FB}"/>
               </a:ext>
             </a:extLst>
           </p:cNvPr>
@@ -4847,8 +4985,8 @@
         </p:blipFill>
         <p:spPr>
           <a:xfrm>
-            <a:off x="1024450" y="510287"/>
-            <a:ext cx="10143099" cy="5837426"/>
+            <a:off x="81280" y="1"/>
+            <a:ext cx="12110720" cy="6858000"/>
           </a:xfrm>
           <a:prstGeom prst="rect">
             <a:avLst/>
@@ -4858,7 +4996,7 @@
     </p:spTree>
     <p:extLst>
       <p:ext uri="{BB962C8B-B14F-4D97-AF65-F5344CB8AC3E}">
-        <p14:creationId xmlns:p14="http://schemas.microsoft.com/office/powerpoint/2010/main" val="3763546253"/>
+        <p14:creationId xmlns:p14="http://schemas.microsoft.com/office/powerpoint/2010/main" val="986217083"/>
       </p:ext>
     </p:extLst>
   </p:cSld>
